--- a/lecture6/presentation/lecture06.pptx
+++ b/lecture6/presentation/lecture06.pptx
@@ -7650,12 +7650,29 @@
               </a:buClr>
               <a:buSzPct val="61111"/>
             </a:pPr>
-            <a:endParaRPr lang="en-US" sz="2400" dirty="0">
+            <a:endParaRPr lang="en-US" sz="2400" dirty="0" smtClean="0">
               <a:latin typeface="Calibri"/>
               <a:ea typeface="Calibri"/>
               <a:cs typeface="Calibri"/>
               <a:sym typeface="Calibri"/>
             </a:endParaRPr>
+          </a:p>
+          <a:p>
+            <a:pPr>
+              <a:buClr>
+                <a:schemeClr val="dk1"/>
+              </a:buClr>
+              <a:buSzPct val="61111"/>
+            </a:pPr>
+            <a:r>
+              <a:rPr lang="en-US" sz="2400" dirty="0">
+                <a:latin typeface="Calibri"/>
+                <a:ea typeface="Calibri"/>
+                <a:cs typeface="Calibri"/>
+                <a:sym typeface="Calibri"/>
+              </a:rPr>
+              <a:t>To reduce boilerplate code</a:t>
+            </a:r>
           </a:p>
           <a:p>
             <a:pPr lvl="0" rtl="0">
@@ -7667,15 +7684,12 @@
               </a:buClr>
               <a:buSzPct val="61111"/>
             </a:pPr>
-            <a:r>
-              <a:rPr lang="en-US" sz="2400" dirty="0" smtClean="0">
-                <a:latin typeface="Calibri"/>
-                <a:ea typeface="Calibri"/>
-                <a:cs typeface="Calibri"/>
-                <a:sym typeface="Calibri"/>
-              </a:rPr>
-              <a:t>Based on JDBC ‘under the hood’</a:t>
-            </a:r>
+            <a:endParaRPr lang="en-US" sz="2400" dirty="0">
+              <a:latin typeface="Calibri"/>
+              <a:ea typeface="Calibri"/>
+              <a:cs typeface="Calibri"/>
+              <a:sym typeface="Calibri"/>
+            </a:endParaRPr>
           </a:p>
           <a:p>
             <a:pPr lvl="0" rtl="0">
@@ -7687,20 +7701,6 @@
               </a:buClr>
               <a:buSzPct val="61111"/>
             </a:pPr>
-            <a:endParaRPr lang="en-US" sz="2400" dirty="0">
-              <a:latin typeface="Calibri"/>
-              <a:ea typeface="Calibri"/>
-              <a:cs typeface="Calibri"/>
-              <a:sym typeface="Calibri"/>
-            </a:endParaRPr>
-          </a:p>
-          <a:p>
-            <a:pPr lvl="0">
-              <a:buClr>
-                <a:schemeClr val="dk1"/>
-              </a:buClr>
-              <a:buSzPct val="61111"/>
-            </a:pPr>
             <a:r>
               <a:rPr lang="en-US" sz="2400" dirty="0" smtClean="0">
                 <a:latin typeface="Calibri"/>
@@ -7708,18 +7708,20 @@
                 <a:cs typeface="Calibri"/>
                 <a:sym typeface="Calibri"/>
               </a:rPr>
-              <a:t>To </a:t>
+              <a:t>Based on JDBC ‘under the hood’</a:t>
             </a:r>
-            <a:r>
-              <a:rPr lang="en-US" sz="2400" dirty="0">
-                <a:latin typeface="Calibri"/>
-                <a:ea typeface="Calibri"/>
-                <a:cs typeface="Calibri"/>
-                <a:sym typeface="Calibri"/>
-              </a:rPr>
-              <a:t>reduce boilerplate code</a:t>
-            </a:r>
-            <a:endParaRPr lang="en-US" sz="2400" dirty="0" smtClean="0">
+          </a:p>
+          <a:p>
+            <a:pPr lvl="0" rtl="0">
+              <a:spcBef>
+                <a:spcPts val="0"/>
+              </a:spcBef>
+              <a:buClr>
+                <a:schemeClr val="dk1"/>
+              </a:buClr>
+              <a:buSzPct val="61111"/>
+            </a:pPr>
+            <a:endParaRPr lang="en-US" sz="2400" dirty="0">
               <a:latin typeface="Calibri"/>
               <a:ea typeface="Calibri"/>
               <a:cs typeface="Calibri"/>
@@ -7878,7 +7880,7 @@
                 <a:cs typeface="Calibri"/>
                 <a:sym typeface="Calibri"/>
               </a:rPr>
-              <a:t>ORM</a:t>
+              <a:t>ORM / JPA </a:t>
             </a:r>
             <a:endParaRPr lang="en-US" sz="3600" dirty="0">
               <a:solidFill>
@@ -8126,43 +8128,26 @@
       </p:sp>
       <p:pic>
         <p:nvPicPr>
-          <p:cNvPr id="4100" name="Picture 4" descr="Картинки по запросу super meme"/>
+          <p:cNvPr id="2" name="Рисунок 1"/>
           <p:cNvPicPr>
-            <a:picLocks noChangeAspect="1" noChangeArrowheads="1"/>
+            <a:picLocks noChangeAspect="1"/>
           </p:cNvPicPr>
           <p:nvPr/>
         </p:nvPicPr>
         <p:blipFill>
-          <a:blip r:embed="rId3">
-            <a:extLst>
-              <a:ext uri="{28A0092B-C50C-407E-A947-70E740481C1C}">
-                <a14:useLocalDpi xmlns:a14="http://schemas.microsoft.com/office/drawing/2010/main" val="0"/>
-              </a:ext>
-            </a:extLst>
-          </a:blip>
-          <a:srcRect/>
+          <a:blip r:embed="rId3"/>
           <a:stretch>
             <a:fillRect/>
           </a:stretch>
         </p:blipFill>
-        <p:spPr bwMode="auto">
-          <a:xfrm>
-            <a:off x="5041900" y="1919143"/>
-            <a:ext cx="2857500" cy="2847976"/>
-          </a:xfrm>
-          <a:prstGeom prst="rect">
-            <a:avLst/>
-          </a:prstGeom>
-          <a:noFill/>
-          <a:extLst>
-            <a:ext uri="{909E8E84-426E-40DD-AFC4-6F175D3DCCD1}">
-              <a14:hiddenFill xmlns:a14="http://schemas.microsoft.com/office/drawing/2010/main">
-                <a:solidFill>
-                  <a:srgbClr val="FFFFFF"/>
-                </a:solidFill>
-              </a14:hiddenFill>
-            </a:ext>
-          </a:extLst>
+        <p:spPr>
+          <a:xfrm>
+            <a:off x="4848642" y="2780236"/>
+            <a:ext cx="3196024" cy="1797764"/>
+          </a:xfrm>
+          <a:prstGeom prst="rect">
+            <a:avLst/>
+          </a:prstGeom>
         </p:spPr>
       </p:pic>
     </p:spTree>
@@ -12089,6 +12074,57 @@
                 <a:sym typeface="Calibri"/>
                 <a:hlinkClick r:id="rId4"/>
               </a:rPr>
+              <a:t>https://habrahabr.ru/post/265061</a:t>
+            </a:r>
+            <a:r>
+              <a:rPr lang="en-US" sz="2400" dirty="0" smtClean="0">
+                <a:latin typeface="Calibri" panose="020F0502020204030204" pitchFamily="34" charset="0"/>
+                <a:ea typeface="Calibri"/>
+                <a:cs typeface="Calibri"/>
+                <a:sym typeface="Calibri"/>
+                <a:hlinkClick r:id="rId4"/>
+              </a:rPr>
+              <a:t>/</a:t>
+            </a:r>
+            <a:r>
+              <a:rPr lang="en-US" sz="2400" dirty="0" smtClean="0">
+                <a:latin typeface="Calibri" panose="020F0502020204030204" pitchFamily="34" charset="0"/>
+                <a:ea typeface="Calibri"/>
+                <a:cs typeface="Calibri"/>
+                <a:sym typeface="Calibri"/>
+              </a:rPr>
+              <a:t> </a:t>
+            </a:r>
+          </a:p>
+          <a:p>
+            <a:pPr lvl="0">
+              <a:buClr>
+                <a:schemeClr val="dk1"/>
+              </a:buClr>
+              <a:buSzPct val="61111"/>
+            </a:pPr>
+            <a:endParaRPr lang="en-US" sz="2400" dirty="0">
+              <a:latin typeface="Calibri" panose="020F0502020204030204" pitchFamily="34" charset="0"/>
+              <a:ea typeface="Calibri"/>
+              <a:cs typeface="Calibri"/>
+              <a:sym typeface="Calibri"/>
+            </a:endParaRPr>
+          </a:p>
+          <a:p>
+            <a:pPr lvl="0">
+              <a:buClr>
+                <a:schemeClr val="dk1"/>
+              </a:buClr>
+              <a:buSzPct val="61111"/>
+            </a:pPr>
+            <a:r>
+              <a:rPr lang="en-US" sz="2400" dirty="0">
+                <a:latin typeface="Calibri" panose="020F0502020204030204" pitchFamily="34" charset="0"/>
+                <a:ea typeface="Calibri"/>
+                <a:cs typeface="Calibri"/>
+                <a:sym typeface="Calibri"/>
+                <a:hlinkClick r:id="rId5"/>
+              </a:rPr>
               <a:t>http://</a:t>
             </a:r>
             <a:r>
@@ -12097,7 +12133,7 @@
                 <a:ea typeface="Calibri"/>
                 <a:cs typeface="Calibri"/>
                 <a:sym typeface="Calibri"/>
-                <a:hlinkClick r:id="rId4"/>
+                <a:hlinkClick r:id="rId5"/>
               </a:rPr>
               <a:t>www.slideshare.net/vinayhulgar/manning-hibernate-quickly</a:t>
             </a:r>
@@ -12110,6 +12146,20 @@
               </a:rPr>
               <a:t> </a:t>
             </a:r>
+          </a:p>
+          <a:p>
+            <a:pPr lvl="0">
+              <a:buClr>
+                <a:schemeClr val="dk1"/>
+              </a:buClr>
+              <a:buSzPct val="61111"/>
+            </a:pPr>
+            <a:endParaRPr lang="en-US" sz="2400" dirty="0" smtClean="0">
+              <a:latin typeface="Calibri" panose="020F0502020204030204" pitchFamily="34" charset="0"/>
+              <a:ea typeface="Calibri"/>
+              <a:cs typeface="Calibri"/>
+              <a:sym typeface="Calibri"/>
+            </a:endParaRPr>
           </a:p>
           <a:p>
             <a:pPr lvl="0">
